--- a/Intro to R_final.pptx
+++ b/Intro to R_final.pptx
@@ -270,7 +270,7 @@
           <a:p>
             <a:fld id="{EF68C15F-0E4D-4B5E-B365-35F8EE2832AA}" type="datetimeFigureOut">
               <a:rPr lang="en-US" smtClean="0"/>
-              <a:t>8/30/2021</a:t>
+              <a:t>1/6/2022</a:t>
             </a:fld>
             <a:endParaRPr lang="en-US"/>
           </a:p>
@@ -435,7 +435,7 @@
           <a:p>
             <a:fld id="{665C40CC-B253-E14A-8E9F-1600661B1B96}" type="datetimeFigureOut">
               <a:rPr lang="en-US" smtClean="0"/>
-              <a:t>8/30/2021</a:t>
+              <a:t>1/6/2022</a:t>
             </a:fld>
             <a:endParaRPr lang="en-US"/>
           </a:p>
@@ -1019,7 +1019,7 @@
               <a:pPr defTabSz="685800">
                 <a:defRPr/>
               </a:pPr>
-              <a:t>8/30/2021</a:t>
+              <a:t>1/6/2022</a:t>
             </a:fld>
             <a:endParaRPr lang="en-US">
               <a:solidFill>
@@ -1232,7 +1232,7 @@
               <a:pPr defTabSz="685800">
                 <a:defRPr/>
               </a:pPr>
-              <a:t>8/30/2021</a:t>
+              <a:t>1/6/2022</a:t>
             </a:fld>
             <a:endParaRPr lang="en-US">
               <a:solidFill>
@@ -1455,7 +1455,7 @@
               <a:pPr defTabSz="685800">
                 <a:defRPr/>
               </a:pPr>
-              <a:t>8/30/2021</a:t>
+              <a:t>1/6/2022</a:t>
             </a:fld>
             <a:endParaRPr lang="en-US">
               <a:solidFill>
@@ -1690,7 +1690,7 @@
               <a:pPr defTabSz="685800">
                 <a:defRPr/>
               </a:pPr>
-              <a:t>8/30/2021</a:t>
+              <a:t>1/6/2022</a:t>
             </a:fld>
             <a:endParaRPr lang="en-US">
               <a:solidFill>
@@ -1903,7 +1903,7 @@
               <a:pPr defTabSz="685800">
                 <a:defRPr/>
               </a:pPr>
-              <a:t>8/30/2021</a:t>
+              <a:t>1/6/2022</a:t>
             </a:fld>
             <a:endParaRPr lang="en-US">
               <a:solidFill>
@@ -2223,7 +2223,7 @@
               <a:pPr defTabSz="685800">
                 <a:defRPr/>
               </a:pPr>
-              <a:t>8/30/2021</a:t>
+              <a:t>1/6/2022</a:t>
             </a:fld>
             <a:endParaRPr lang="en-US">
               <a:solidFill>
@@ -2497,7 +2497,7 @@
               <a:pPr defTabSz="685800">
                 <a:defRPr/>
               </a:pPr>
-              <a:t>8/30/2021</a:t>
+              <a:t>1/6/2022</a:t>
             </a:fld>
             <a:endParaRPr lang="en-US">
               <a:solidFill>
@@ -2906,7 +2906,7 @@
               <a:pPr defTabSz="685800">
                 <a:defRPr/>
               </a:pPr>
-              <a:t>8/30/2021</a:t>
+              <a:t>1/6/2022</a:t>
             </a:fld>
             <a:endParaRPr lang="en-US">
               <a:solidFill>
@@ -3068,7 +3068,7 @@
               <a:pPr defTabSz="685800">
                 <a:defRPr/>
               </a:pPr>
-              <a:t>8/30/2021</a:t>
+              <a:t>1/6/2022</a:t>
             </a:fld>
             <a:endParaRPr lang="en-US">
               <a:solidFill>
@@ -3208,7 +3208,7 @@
               <a:pPr defTabSz="685800">
                 <a:defRPr/>
               </a:pPr>
-              <a:t>8/30/2021</a:t>
+              <a:t>1/6/2022</a:t>
             </a:fld>
             <a:endParaRPr lang="en-US">
               <a:solidFill>
@@ -3528,7 +3528,7 @@
               <a:pPr defTabSz="685800">
                 <a:defRPr/>
               </a:pPr>
-              <a:t>8/30/2021</a:t>
+              <a:t>1/6/2022</a:t>
             </a:fld>
             <a:endParaRPr lang="en-US">
               <a:solidFill>
@@ -3741,7 +3741,7 @@
               <a:pPr defTabSz="685800">
                 <a:defRPr/>
               </a:pPr>
-              <a:t>8/30/2021</a:t>
+              <a:t>1/6/2022</a:t>
             </a:fld>
             <a:endParaRPr lang="en-US">
               <a:solidFill>
@@ -4038,7 +4038,7 @@
               <a:pPr defTabSz="685800">
                 <a:defRPr/>
               </a:pPr>
-              <a:t>8/30/2021</a:t>
+              <a:t>1/6/2022</a:t>
             </a:fld>
             <a:endParaRPr lang="en-US">
               <a:solidFill>
@@ -4251,7 +4251,7 @@
               <a:pPr defTabSz="685800">
                 <a:defRPr/>
               </a:pPr>
-              <a:t>8/30/2021</a:t>
+              <a:t>1/6/2022</a:t>
             </a:fld>
             <a:endParaRPr lang="en-US">
               <a:solidFill>
@@ -4474,7 +4474,7 @@
               <a:pPr defTabSz="685800">
                 <a:defRPr/>
               </a:pPr>
-              <a:t>8/30/2021</a:t>
+              <a:t>1/6/2022</a:t>
             </a:fld>
             <a:endParaRPr lang="en-US">
               <a:solidFill>
@@ -4709,7 +4709,7 @@
               <a:pPr defTabSz="685800">
                 <a:defRPr/>
               </a:pPr>
-              <a:t>8/30/2021</a:t>
+              <a:t>1/6/2022</a:t>
             </a:fld>
             <a:endParaRPr lang="en-US">
               <a:solidFill>
@@ -4922,7 +4922,7 @@
               <a:pPr defTabSz="685800">
                 <a:defRPr/>
               </a:pPr>
-              <a:t>8/30/2021</a:t>
+              <a:t>1/6/2022</a:t>
             </a:fld>
             <a:endParaRPr lang="en-US">
               <a:solidFill>
@@ -5212,7 +5212,7 @@
               <a:pPr defTabSz="685800">
                 <a:defRPr/>
               </a:pPr>
-              <a:t>8/30/2021</a:t>
+              <a:t>1/6/2022</a:t>
             </a:fld>
             <a:endParaRPr lang="en-US">
               <a:solidFill>
@@ -5486,7 +5486,7 @@
               <a:pPr defTabSz="685800">
                 <a:defRPr/>
               </a:pPr>
-              <a:t>8/30/2021</a:t>
+              <a:t>1/6/2022</a:t>
             </a:fld>
             <a:endParaRPr lang="en-US">
               <a:solidFill>
@@ -5895,7 +5895,7 @@
               <a:pPr defTabSz="685800">
                 <a:defRPr/>
               </a:pPr>
-              <a:t>8/30/2021</a:t>
+              <a:t>1/6/2022</a:t>
             </a:fld>
             <a:endParaRPr lang="en-US">
               <a:solidFill>
@@ -6057,7 +6057,7 @@
               <a:pPr defTabSz="685800">
                 <a:defRPr/>
               </a:pPr>
-              <a:t>8/30/2021</a:t>
+              <a:t>1/6/2022</a:t>
             </a:fld>
             <a:endParaRPr lang="en-US">
               <a:solidFill>
@@ -6197,7 +6197,7 @@
               <a:pPr defTabSz="685800">
                 <a:defRPr/>
               </a:pPr>
-              <a:t>8/30/2021</a:t>
+              <a:t>1/6/2022</a:t>
             </a:fld>
             <a:endParaRPr lang="en-US">
               <a:solidFill>
@@ -6487,7 +6487,7 @@
               <a:pPr defTabSz="685800">
                 <a:defRPr/>
               </a:pPr>
-              <a:t>8/30/2021</a:t>
+              <a:t>1/6/2022</a:t>
             </a:fld>
             <a:endParaRPr lang="en-US">
               <a:solidFill>
@@ -6807,7 +6807,7 @@
               <a:pPr defTabSz="685800">
                 <a:defRPr/>
               </a:pPr>
-              <a:t>8/30/2021</a:t>
+              <a:t>1/6/2022</a:t>
             </a:fld>
             <a:endParaRPr lang="en-US">
               <a:solidFill>
@@ -7104,7 +7104,7 @@
               <a:pPr defTabSz="685800">
                 <a:defRPr/>
               </a:pPr>
-              <a:t>8/30/2021</a:t>
+              <a:t>1/6/2022</a:t>
             </a:fld>
             <a:endParaRPr lang="en-US">
               <a:solidFill>
@@ -7317,7 +7317,7 @@
               <a:pPr defTabSz="685800">
                 <a:defRPr/>
               </a:pPr>
-              <a:t>8/30/2021</a:t>
+              <a:t>1/6/2022</a:t>
             </a:fld>
             <a:endParaRPr lang="en-US">
               <a:solidFill>
@@ -7540,7 +7540,7 @@
               <a:pPr defTabSz="685800">
                 <a:defRPr/>
               </a:pPr>
-              <a:t>8/30/2021</a:t>
+              <a:t>1/6/2022</a:t>
             </a:fld>
             <a:endParaRPr lang="en-US">
               <a:solidFill>
@@ -7775,7 +7775,7 @@
               <a:pPr defTabSz="685800">
                 <a:defRPr/>
               </a:pPr>
-              <a:t>8/30/2021</a:t>
+              <a:t>1/6/2022</a:t>
             </a:fld>
             <a:endParaRPr lang="en-US">
               <a:solidFill>
@@ -8028,7 +8028,7 @@
               <a:pPr defTabSz="685800">
                 <a:defRPr/>
               </a:pPr>
-              <a:t>8/30/2021</a:t>
+              <a:t>1/6/2022</a:t>
             </a:fld>
             <a:endParaRPr lang="en-US">
               <a:solidFill>
@@ -8348,7 +8348,7 @@
               <a:pPr defTabSz="685800">
                 <a:defRPr/>
               </a:pPr>
-              <a:t>8/30/2021</a:t>
+              <a:t>1/6/2022</a:t>
             </a:fld>
             <a:endParaRPr lang="en-US">
               <a:solidFill>
@@ -8622,7 +8622,7 @@
               <a:pPr defTabSz="685800">
                 <a:defRPr/>
               </a:pPr>
-              <a:t>8/30/2021</a:t>
+              <a:t>1/6/2022</a:t>
             </a:fld>
             <a:endParaRPr lang="en-US">
               <a:solidFill>
@@ -9031,7 +9031,7 @@
               <a:pPr defTabSz="685800">
                 <a:defRPr/>
               </a:pPr>
-              <a:t>8/30/2021</a:t>
+              <a:t>1/6/2022</a:t>
             </a:fld>
             <a:endParaRPr lang="en-US">
               <a:solidFill>
@@ -9193,7 +9193,7 @@
               <a:pPr defTabSz="685800">
                 <a:defRPr/>
               </a:pPr>
-              <a:t>8/30/2021</a:t>
+              <a:t>1/6/2022</a:t>
             </a:fld>
             <a:endParaRPr lang="en-US">
               <a:solidFill>
@@ -9467,7 +9467,7 @@
               <a:pPr defTabSz="685800">
                 <a:defRPr/>
               </a:pPr>
-              <a:t>8/30/2021</a:t>
+              <a:t>1/6/2022</a:t>
             </a:fld>
             <a:endParaRPr lang="en-US">
               <a:solidFill>
@@ -9607,7 +9607,7 @@
               <a:pPr defTabSz="685800">
                 <a:defRPr/>
               </a:pPr>
-              <a:t>8/30/2021</a:t>
+              <a:t>1/6/2022</a:t>
             </a:fld>
             <a:endParaRPr lang="en-US">
               <a:solidFill>
@@ -9927,7 +9927,7 @@
               <a:pPr defTabSz="685800">
                 <a:defRPr/>
               </a:pPr>
-              <a:t>8/30/2021</a:t>
+              <a:t>1/6/2022</a:t>
             </a:fld>
             <a:endParaRPr lang="en-US">
               <a:solidFill>
@@ -10224,7 +10224,7 @@
               <a:pPr defTabSz="685800">
                 <a:defRPr/>
               </a:pPr>
-              <a:t>8/30/2021</a:t>
+              <a:t>1/6/2022</a:t>
             </a:fld>
             <a:endParaRPr lang="en-US">
               <a:solidFill>
@@ -10437,7 +10437,7 @@
               <a:pPr defTabSz="685800">
                 <a:defRPr/>
               </a:pPr>
-              <a:t>8/30/2021</a:t>
+              <a:t>1/6/2022</a:t>
             </a:fld>
             <a:endParaRPr lang="en-US">
               <a:solidFill>
@@ -10660,7 +10660,7 @@
               <a:pPr defTabSz="685800">
                 <a:defRPr/>
               </a:pPr>
-              <a:t>8/30/2021</a:t>
+              <a:t>1/6/2022</a:t>
             </a:fld>
             <a:endParaRPr lang="en-US">
               <a:solidFill>
@@ -10895,7 +10895,7 @@
               <a:pPr defTabSz="685800">
                 <a:defRPr/>
               </a:pPr>
-              <a:t>8/30/2021</a:t>
+              <a:t>1/6/2022</a:t>
             </a:fld>
             <a:endParaRPr lang="en-US">
               <a:solidFill>
@@ -11108,7 +11108,7 @@
               <a:pPr defTabSz="685800">
                 <a:defRPr/>
               </a:pPr>
-              <a:t>8/30/2021</a:t>
+              <a:t>1/6/2022</a:t>
             </a:fld>
             <a:endParaRPr lang="en-US">
               <a:solidFill>
@@ -11398,7 +11398,7 @@
               <a:pPr defTabSz="685800">
                 <a:defRPr/>
               </a:pPr>
-              <a:t>8/30/2021</a:t>
+              <a:t>1/6/2022</a:t>
             </a:fld>
             <a:endParaRPr lang="en-US">
               <a:solidFill>
@@ -11672,7 +11672,7 @@
               <a:pPr defTabSz="685800">
                 <a:defRPr/>
               </a:pPr>
-              <a:t>8/30/2021</a:t>
+              <a:t>1/6/2022</a:t>
             </a:fld>
             <a:endParaRPr lang="en-US">
               <a:solidFill>
@@ -12081,7 +12081,7 @@
               <a:pPr defTabSz="685800">
                 <a:defRPr/>
               </a:pPr>
-              <a:t>8/30/2021</a:t>
+              <a:t>1/6/2022</a:t>
             </a:fld>
             <a:endParaRPr lang="en-US">
               <a:solidFill>
@@ -12490,7 +12490,7 @@
               <a:pPr defTabSz="685800">
                 <a:defRPr/>
               </a:pPr>
-              <a:t>8/30/2021</a:t>
+              <a:t>1/6/2022</a:t>
             </a:fld>
             <a:endParaRPr lang="en-US">
               <a:solidFill>
@@ -12652,7 +12652,7 @@
               <a:pPr defTabSz="685800">
                 <a:defRPr/>
               </a:pPr>
-              <a:t>8/30/2021</a:t>
+              <a:t>1/6/2022</a:t>
             </a:fld>
             <a:endParaRPr lang="en-US">
               <a:solidFill>
@@ -12792,7 +12792,7 @@
               <a:pPr defTabSz="685800">
                 <a:defRPr/>
               </a:pPr>
-              <a:t>8/30/2021</a:t>
+              <a:t>1/6/2022</a:t>
             </a:fld>
             <a:endParaRPr lang="en-US">
               <a:solidFill>
@@ -13112,7 +13112,7 @@
               <a:pPr defTabSz="685800">
                 <a:defRPr/>
               </a:pPr>
-              <a:t>8/30/2021</a:t>
+              <a:t>1/6/2022</a:t>
             </a:fld>
             <a:endParaRPr lang="en-US">
               <a:solidFill>
@@ -13409,7 +13409,7 @@
               <a:pPr defTabSz="685800">
                 <a:defRPr/>
               </a:pPr>
-              <a:t>8/30/2021</a:t>
+              <a:t>1/6/2022</a:t>
             </a:fld>
             <a:endParaRPr lang="en-US">
               <a:solidFill>
@@ -13622,7 +13622,7 @@
               <a:pPr defTabSz="685800">
                 <a:defRPr/>
               </a:pPr>
-              <a:t>8/30/2021</a:t>
+              <a:t>1/6/2022</a:t>
             </a:fld>
             <a:endParaRPr lang="en-US">
               <a:solidFill>
@@ -13845,7 +13845,7 @@
               <a:pPr defTabSz="685800">
                 <a:defRPr/>
               </a:pPr>
-              <a:t>8/30/2021</a:t>
+              <a:t>1/6/2022</a:t>
             </a:fld>
             <a:endParaRPr lang="en-US">
               <a:solidFill>
@@ -14082,7 +14082,7 @@
               <a:pPr defTabSz="685800">
                 <a:defRPr/>
               </a:pPr>
-              <a:t>8/30/2021</a:t>
+              <a:t>1/6/2022</a:t>
             </a:fld>
             <a:endParaRPr lang="en-US">
               <a:solidFill>
@@ -14508,7 +14508,7 @@
               <a:pPr defTabSz="685800">
                 <a:defRPr/>
               </a:pPr>
-              <a:t>8/30/2021</a:t>
+              <a:t>1/6/2022</a:t>
             </a:fld>
             <a:endParaRPr lang="en-US">
               <a:solidFill>
@@ -14998,7 +14998,7 @@
               <a:pPr defTabSz="685800">
                 <a:defRPr/>
               </a:pPr>
-              <a:t>8/30/2021</a:t>
+              <a:t>1/6/2022</a:t>
             </a:fld>
             <a:endParaRPr lang="en-US">
               <a:solidFill>
@@ -15440,7 +15440,7 @@
               <a:pPr defTabSz="685800">
                 <a:defRPr/>
               </a:pPr>
-              <a:t>8/30/2021</a:t>
+              <a:t>1/6/2022</a:t>
             </a:fld>
             <a:endParaRPr lang="en-US">
               <a:solidFill>
@@ -15602,7 +15602,7 @@
               <a:pPr defTabSz="685800">
                 <a:defRPr/>
               </a:pPr>
-              <a:t>8/30/2021</a:t>
+              <a:t>1/6/2022</a:t>
             </a:fld>
             <a:endParaRPr lang="en-US">
               <a:solidFill>
@@ -16014,7 +16014,7 @@
               <a:pPr defTabSz="685800">
                 <a:defRPr/>
               </a:pPr>
-              <a:t>8/30/2021</a:t>
+              <a:t>1/6/2022</a:t>
             </a:fld>
             <a:endParaRPr lang="en-US">
               <a:solidFill>
@@ -16177,7 +16177,7 @@
               <a:pPr defTabSz="685800">
                 <a:defRPr/>
               </a:pPr>
-              <a:t>8/30/2021</a:t>
+              <a:t>1/6/2022</a:t>
             </a:fld>
             <a:endParaRPr lang="en-US">
               <a:solidFill>
@@ -16317,7 +16317,7 @@
               <a:pPr defTabSz="685800">
                 <a:defRPr/>
               </a:pPr>
-              <a:t>8/30/2021</a:t>
+              <a:t>1/6/2022</a:t>
             </a:fld>
             <a:endParaRPr lang="en-US">
               <a:solidFill>
@@ -16639,7 +16639,7 @@
               <a:pPr defTabSz="685800">
                 <a:defRPr/>
               </a:pPr>
-              <a:t>8/30/2021</a:t>
+              <a:t>1/6/2022</a:t>
             </a:fld>
             <a:endParaRPr lang="en-US">
               <a:solidFill>
@@ -16941,7 +16941,7 @@
               <a:pPr defTabSz="685800">
                 <a:defRPr/>
               </a:pPr>
-              <a:t>8/30/2021</a:t>
+              <a:t>1/6/2022</a:t>
             </a:fld>
             <a:endParaRPr lang="en-US">
               <a:solidFill>
@@ -17156,7 +17156,7 @@
               <a:pPr defTabSz="685800">
                 <a:defRPr/>
               </a:pPr>
-              <a:t>8/30/2021</a:t>
+              <a:t>1/6/2022</a:t>
             </a:fld>
             <a:endParaRPr lang="en-US">
               <a:solidFill>
@@ -17381,7 +17381,7 @@
               <a:pPr defTabSz="685800">
                 <a:defRPr/>
               </a:pPr>
-              <a:t>8/30/2021</a:t>
+              <a:t>1/6/2022</a:t>
             </a:fld>
             <a:endParaRPr lang="en-US">
               <a:solidFill>
@@ -17521,7 +17521,7 @@
               <a:pPr defTabSz="685800">
                 <a:defRPr/>
               </a:pPr>
-              <a:t>8/30/2021</a:t>
+              <a:t>1/6/2022</a:t>
             </a:fld>
             <a:endParaRPr lang="en-US">
               <a:solidFill>
@@ -18041,7 +18041,7 @@
               <a:pPr defTabSz="685800">
                 <a:defRPr/>
               </a:pPr>
-              <a:t>8/30/2021</a:t>
+              <a:t>1/6/2022</a:t>
             </a:fld>
             <a:endParaRPr lang="en-US">
               <a:solidFill>
@@ -18380,7 +18380,7 @@
               <a:pPr defTabSz="685800">
                 <a:defRPr/>
               </a:pPr>
-              <a:t>8/30/2021</a:t>
+              <a:t>1/6/2022</a:t>
             </a:fld>
             <a:endParaRPr lang="en-US">
               <a:solidFill>
@@ -18700,7 +18700,7 @@
               <a:pPr defTabSz="685800">
                 <a:defRPr/>
               </a:pPr>
-              <a:t>8/30/2021</a:t>
+              <a:t>1/6/2022</a:t>
             </a:fld>
             <a:endParaRPr lang="en-US">
               <a:solidFill>
@@ -18997,7 +18997,7 @@
               <a:pPr defTabSz="685800">
                 <a:defRPr/>
               </a:pPr>
-              <a:t>8/30/2021</a:t>
+              <a:t>1/6/2022</a:t>
             </a:fld>
             <a:endParaRPr lang="en-US">
               <a:solidFill>
@@ -19253,7 +19253,7 @@
               <a:pPr defTabSz="685800">
                 <a:defRPr/>
               </a:pPr>
-              <a:t>8/30/2021</a:t>
+              <a:t>1/6/2022</a:t>
             </a:fld>
             <a:endParaRPr lang="en-US">
               <a:solidFill>
@@ -20133,7 +20133,7 @@
               <a:pPr defTabSz="685800">
                 <a:defRPr/>
               </a:pPr>
-              <a:t>8/30/2021</a:t>
+              <a:t>1/6/2022</a:t>
             </a:fld>
             <a:endParaRPr lang="en-US">
               <a:solidFill>
@@ -21013,7 +21013,7 @@
               <a:pPr defTabSz="685800">
                 <a:defRPr/>
               </a:pPr>
-              <a:t>8/30/2021</a:t>
+              <a:t>1/6/2022</a:t>
             </a:fld>
             <a:endParaRPr lang="en-US">
               <a:solidFill>
@@ -21893,7 +21893,7 @@
               <a:pPr defTabSz="685800">
                 <a:defRPr/>
               </a:pPr>
-              <a:t>8/30/2021</a:t>
+              <a:t>1/6/2022</a:t>
             </a:fld>
             <a:endParaRPr lang="en-US">
               <a:solidFill>
@@ -22773,7 +22773,7 @@
               <a:pPr defTabSz="685800">
                 <a:defRPr/>
               </a:pPr>
-              <a:t>8/30/2021</a:t>
+              <a:t>1/6/2022</a:t>
             </a:fld>
             <a:endParaRPr lang="en-US">
               <a:solidFill>
@@ -23508,7 +23508,7 @@
               <a:pPr defTabSz="685800">
                 <a:defRPr/>
               </a:pPr>
-              <a:t>8/30/2021</a:t>
+              <a:t>1/6/2022</a:t>
             </a:fld>
             <a:endParaRPr lang="en-US">
               <a:solidFill>
@@ -24297,11 +24297,16 @@
           </a:lstStyle>
           <a:p>
             <a:r>
-              <a:rPr lang="en-US" sz="3600" b="1" dirty="0">
-                <a:cs typeface="Arial" panose="020B0604020202020204" pitchFamily="34" charset="0"/>
+              <a:rPr lang="en-US" sz="3600" dirty="0">
+                <a:solidFill>
+                  <a:prstClr val="black"/>
+                </a:solidFill>
               </a:rPr>
-              <a:t>Applied Statistics 	</a:t>
-            </a:r>
+              <a:t>Getting Started in R </a:t>
+            </a:r>
+            <a:endParaRPr lang="en-US" sz="3600" b="1" dirty="0">
+              <a:cs typeface="Arial" panose="020B0604020202020204" pitchFamily="34" charset="0"/>
+            </a:endParaRPr>
           </a:p>
         </p:txBody>
       </p:sp>
@@ -24315,7 +24320,12 @@
             <p:ph idx="1"/>
           </p:nvPr>
         </p:nvSpPr>
-        <p:spPr/>
+        <p:spPr>
+          <a:xfrm>
+            <a:off x="471488" y="7632699"/>
+            <a:ext cx="5915025" cy="603251"/>
+          </a:xfrm>
+        </p:spPr>
         <p:txBody>
           <a:bodyPr>
             <a:normAutofit/>
@@ -24420,28 +24430,13 @@
               </a:spcBef>
             </a:pPr>
             <a:r>
-              <a:rPr lang="en-US" sz="2800" dirty="0">
+              <a:rPr lang="en-US" sz="1600" dirty="0">
                 <a:solidFill>
                   <a:prstClr val="black"/>
                 </a:solidFill>
               </a:rPr>
-              <a:t>Getting Started in R </a:t>
-            </a:r>
-          </a:p>
-          <a:p>
-            <a:pPr lvl="0">
-              <a:lnSpc>
-                <a:spcPct val="100000"/>
-              </a:lnSpc>
-              <a:spcBef>
-                <a:spcPct val="20000"/>
-              </a:spcBef>
-            </a:pPr>
-            <a:endParaRPr lang="en-US" sz="2800" dirty="0">
-              <a:solidFill>
-                <a:prstClr val="black"/>
-              </a:solidFill>
-            </a:endParaRPr>
+              <a:t>Prepared by Dr. Marilyn Pelosi, Dr. Shane Hutton, Dr. Lacey Hartigan, and Robert Booker</a:t>
+            </a:r>
           </a:p>
           <a:p>
             <a:pPr lvl="0">
